--- a/FYP Poster.pptx
+++ b/FYP Poster.pptx
@@ -3081,7 +3081,7 @@
           <a:p>
             <a:fld id="{70F0E767-06F5-1743-8250-09BED16D1E0E}" type="datetimeFigureOut">
               <a:rPr lang="en-US" smtClean="0"/>
-              <a:t>5/21/2024</a:t>
+              <a:t>5/23/2024</a:t>
             </a:fld>
             <a:endParaRPr lang="en-US"/>
           </a:p>
@@ -3258,7 +3258,7 @@
           <a:p>
             <a:fld id="{01FC99CA-AF55-2547-B865-ACD414BD3D5B}" type="datetimeFigureOut">
               <a:rPr lang="en-US" smtClean="0"/>
-              <a:t>5/21/2024</a:t>
+              <a:t>5/23/2024</a:t>
             </a:fld>
             <a:endParaRPr lang="en-US"/>
           </a:p>
@@ -3740,7 +3740,7 @@
           <a:p>
             <a:fld id="{0D95E40B-6DE2-BC44-9D41-DAE6D07500F7}" type="datetimeFigureOut">
               <a:rPr lang="en-US" smtClean="0"/>
-              <a:t>5/21/2024</a:t>
+              <a:t>5/23/2024</a:t>
             </a:fld>
             <a:endParaRPr lang="en-US"/>
           </a:p>
@@ -3910,7 +3910,7 @@
           <a:p>
             <a:fld id="{0D95E40B-6DE2-BC44-9D41-DAE6D07500F7}" type="datetimeFigureOut">
               <a:rPr lang="en-US" smtClean="0"/>
-              <a:t>5/21/2024</a:t>
+              <a:t>5/23/2024</a:t>
             </a:fld>
             <a:endParaRPr lang="en-US"/>
           </a:p>
@@ -4090,7 +4090,7 @@
           <a:p>
             <a:fld id="{0D95E40B-6DE2-BC44-9D41-DAE6D07500F7}" type="datetimeFigureOut">
               <a:rPr lang="en-US" smtClean="0"/>
-              <a:t>5/21/2024</a:t>
+              <a:t>5/23/2024</a:t>
             </a:fld>
             <a:endParaRPr lang="en-US"/>
           </a:p>
@@ -4260,7 +4260,7 @@
           <a:p>
             <a:fld id="{0D95E40B-6DE2-BC44-9D41-DAE6D07500F7}" type="datetimeFigureOut">
               <a:rPr lang="en-US" smtClean="0"/>
-              <a:t>5/21/2024</a:t>
+              <a:t>5/23/2024</a:t>
             </a:fld>
             <a:endParaRPr lang="en-US"/>
           </a:p>
@@ -4504,7 +4504,7 @@
           <a:p>
             <a:fld id="{0D95E40B-6DE2-BC44-9D41-DAE6D07500F7}" type="datetimeFigureOut">
               <a:rPr lang="en-US" smtClean="0"/>
-              <a:t>5/21/2024</a:t>
+              <a:t>5/23/2024</a:t>
             </a:fld>
             <a:endParaRPr lang="en-US"/>
           </a:p>
@@ -4736,7 +4736,7 @@
           <a:p>
             <a:fld id="{0D95E40B-6DE2-BC44-9D41-DAE6D07500F7}" type="datetimeFigureOut">
               <a:rPr lang="en-US" smtClean="0"/>
-              <a:t>5/21/2024</a:t>
+              <a:t>5/23/2024</a:t>
             </a:fld>
             <a:endParaRPr lang="en-US"/>
           </a:p>
@@ -5103,7 +5103,7 @@
           <a:p>
             <a:fld id="{0D95E40B-6DE2-BC44-9D41-DAE6D07500F7}" type="datetimeFigureOut">
               <a:rPr lang="en-US" smtClean="0"/>
-              <a:t>5/21/2024</a:t>
+              <a:t>5/23/2024</a:t>
             </a:fld>
             <a:endParaRPr lang="en-US"/>
           </a:p>
@@ -5221,7 +5221,7 @@
           <a:p>
             <a:fld id="{0D95E40B-6DE2-BC44-9D41-DAE6D07500F7}" type="datetimeFigureOut">
               <a:rPr lang="en-US" smtClean="0"/>
-              <a:t>5/21/2024</a:t>
+              <a:t>5/23/2024</a:t>
             </a:fld>
             <a:endParaRPr lang="en-US"/>
           </a:p>
@@ -5316,7 +5316,7 @@
           <a:p>
             <a:fld id="{0D95E40B-6DE2-BC44-9D41-DAE6D07500F7}" type="datetimeFigureOut">
               <a:rPr lang="en-US" smtClean="0"/>
-              <a:t>5/21/2024</a:t>
+              <a:t>5/23/2024</a:t>
             </a:fld>
             <a:endParaRPr lang="en-US"/>
           </a:p>
@@ -5593,7 +5593,7 @@
           <a:p>
             <a:fld id="{0D95E40B-6DE2-BC44-9D41-DAE6D07500F7}" type="datetimeFigureOut">
               <a:rPr lang="en-US" smtClean="0"/>
-              <a:t>5/21/2024</a:t>
+              <a:t>5/23/2024</a:t>
             </a:fld>
             <a:endParaRPr lang="en-US"/>
           </a:p>
@@ -5850,7 +5850,7 @@
           <a:p>
             <a:fld id="{0D95E40B-6DE2-BC44-9D41-DAE6D07500F7}" type="datetimeFigureOut">
               <a:rPr lang="en-US" smtClean="0"/>
-              <a:t>5/21/2024</a:t>
+              <a:t>5/23/2024</a:t>
             </a:fld>
             <a:endParaRPr lang="en-US"/>
           </a:p>
@@ -6063,7 +6063,7 @@
           <a:p>
             <a:fld id="{0D95E40B-6DE2-BC44-9D41-DAE6D07500F7}" type="datetimeFigureOut">
               <a:rPr lang="en-US" smtClean="0"/>
-              <a:t>5/21/2024</a:t>
+              <a:t>5/23/2024</a:t>
             </a:fld>
             <a:endParaRPr lang="en-US"/>
           </a:p>
@@ -6683,7 +6683,7 @@
           <p:nvPr>
             <p:extLst>
               <p:ext uri="{D42A27DB-BD31-4B8C-83A1-F6EECF244321}">
-                <p14:modId xmlns:p14="http://schemas.microsoft.com/office/powerpoint/2010/main" val="1297477790"/>
+                <p14:modId xmlns:p14="http://schemas.microsoft.com/office/powerpoint/2010/main" val="1211802183"/>
               </p:ext>
             </p:extLst>
           </p:nvPr>
@@ -6827,7 +6827,7 @@
                           <a:ea typeface="Lato" panose="020F0502020204030203" pitchFamily="34" charset="0"/>
                           <a:cs typeface="Lato" panose="020F0502020204030203" pitchFamily="34" charset="0"/>
                         </a:rPr>
-                        <a:t>Media plays a vital role in our society by keeping the public informed on events occurring around us. It is part of a media outlet’s responsibility to ensure an accurate and unbiased reporting when retelling news stories. However, some media outlets nowadays tend to focus more on creating some form of sensationalism to generate more clicks than prioritise on delivering quality journalism to the public [1]. Recent studies [2, 3] highlight the effects images may have on a reader’s overall perception of a news article, emphasising the need for an ethical use of visual narration. This research aims to explore the impact of inset emojis within news articles and developing methods to be able to detect such bias and mitigate it as much as possible. The study highlights the need for collaboration between the field of computer science, social science, and the media to improve automated bias detection and uphold journalistic integrity in the digital age.</a:t>
+                        <a:t>Media plays a vital role in our society by keeping the public informed on events occurring around us. It is part of a media outlet’s responsibility to ensure an accurate and unbiased reporting when retelling news stories. However, some outlets nowadays tend to prioritise creating some form of sensationalism to generate more clicks than focus on delivering quality journalism to the public [1]. Recent studies [2, 3] highlight the effects images may have on a reader’s overall perception of a news article, emphasising the need for an ethical use of visual narration. This research aims to explore the impact of inset emojis within news articles and developing methods to be able to detect such bias and mitigate it as much as possible. The study highlights the need for collaboration between the field of computer science, social science, and the media to improve automated bias detection and uphold journalistic integrity in the digital age.</a:t>
                       </a:r>
                       <a:endParaRPr lang="en-US" sz="1600" dirty="0">
                         <a:latin typeface="Lato" panose="020F0502020204030203" pitchFamily="34" charset="0"/>
@@ -6902,7 +6902,7 @@
           <p:nvPr>
             <p:extLst>
               <p:ext uri="{D42A27DB-BD31-4B8C-83A1-F6EECF244321}">
-                <p14:modId xmlns:p14="http://schemas.microsoft.com/office/powerpoint/2010/main" val="3918778846"/>
+                <p14:modId xmlns:p14="http://schemas.microsoft.com/office/powerpoint/2010/main" val="3923959506"/>
               </p:ext>
             </p:extLst>
           </p:nvPr>
@@ -7054,7 +7054,7 @@
                           <a:ea typeface="Lato" panose="020F0502020204030203" pitchFamily="34" charset="0"/>
                           <a:cs typeface="Lato" panose="020F0502020204030203" pitchFamily="34" charset="0"/>
                         </a:rPr>
-                        <a:t> coordinates of each emoji placed, which showed that the dataset’s emojis are evenly distributed across the dataset. Furthermore, t</a:t>
+                        <a:t> coordinates of each emoji inset, which showed that the dataset’s emojis are evenly distributed across the dataset. Furthermore, an</a:t>
                       </a:r>
                       <a:r>
                         <a:rPr lang="en-GB" sz="1600" dirty="0">
@@ -7062,7 +7062,7 @@
                           <a:ea typeface="Lato" panose="020F0502020204030203" pitchFamily="34" charset="0"/>
                           <a:cs typeface="Lato" panose="020F0502020204030203" pitchFamily="34" charset="0"/>
                         </a:rPr>
-                        <a:t>he emoji frequency graph showed an even distribution, with the "Wow" emoji being most frequent and "Haha" least. Also, size distribution graphs indicated most emojis occupied about 3.5% of the image area. With respect to the object detection models trained, these being YOLOv8 and </a:t>
+                        <a:t> emoji frequency graph showed an even distribution, with the "Wow" emoji being most frequent and "Haha" least. Also, size distribution graphs indicated most emojis occupied about 3.5% of the image area. With respect to the object detection models trained, these being YOLOv8 and </a:t>
                       </a:r>
                       <a:r>
                         <a:rPr lang="en-GB" sz="1600" dirty="0" err="1">
@@ -7078,7 +7078,7 @@
                           <a:ea typeface="Lato" panose="020F0502020204030203" pitchFamily="34" charset="0"/>
                           <a:cs typeface="Lato" panose="020F0502020204030203" pitchFamily="34" charset="0"/>
                         </a:rPr>
-                        <a:t>, the former exhibited an overall better performance in the graphs generated, these being the Recall, Precision, Precision-Recall, and F1 curves. The survey, completed by 170 respondents, revealed that while images are generally important in news articles, most participants found inset emojis to detract from the articles' credibility and did not enhance understanding or engagement. The impact of emojis on opinion varied, with "Angry" emojis notably causing the sharpest change in opinion, while "Like" and "Heart" emojis had minimal effect. The survey also indicated that excessive emojis could frustrate readers. In the interview, the media professional criticised the use of emojis in news articles for trivialising and potentially manipulating content, emphasising the importance of high-quality images and storytelling to maintain journalistic integrity and neutrality.</a:t>
+                        <a:t>, the former model exhibited an overall better performance in the graphs generated, these being the Recall, Precision, Precision-Recall, and F1 curves. The survey, completed by 170 respondents, revealed that while images are generally important in news articles, most participants found inset emojis to detract from the articles' credibility and did not enhance understanding or engagement. The impact of emojis on opinion varied, with "Angry" emojis notably causing the sharpest change in opinion, while "Like" and "Heart" emojis had minimal effect. The survey also indicated that excessive emojis could frustrate readers. In the interview, the media professional criticised the use of emojis in news articles for trivialising and potentially manipulating content, emphasising the importance of high-quality images and storytelling to maintain journalistic integrity and neutrality.</a:t>
                       </a:r>
                     </a:p>
                   </a:txBody>
@@ -7580,7 +7580,7 @@
           <p:nvPr>
             <p:extLst>
               <p:ext uri="{D42A27DB-BD31-4B8C-83A1-F6EECF244321}">
-                <p14:modId xmlns:p14="http://schemas.microsoft.com/office/powerpoint/2010/main" val="1145258670"/>
+                <p14:modId xmlns:p14="http://schemas.microsoft.com/office/powerpoint/2010/main" val="1894903680"/>
               </p:ext>
             </p:extLst>
           </p:nvPr>
@@ -7775,7 +7775,7 @@
           <p:nvPr>
             <p:extLst>
               <p:ext uri="{D42A27DB-BD31-4B8C-83A1-F6EECF244321}">
-                <p14:modId xmlns:p14="http://schemas.microsoft.com/office/powerpoint/2010/main" val="482156645"/>
+                <p14:modId xmlns:p14="http://schemas.microsoft.com/office/powerpoint/2010/main" val="3846405999"/>
               </p:ext>
             </p:extLst>
           </p:nvPr>
@@ -7895,7 +7895,7 @@
                           <a:ea typeface="Lato" panose="020F0502020204030203" pitchFamily="34" charset="0"/>
                           <a:cs typeface="Lato" panose="020F0502020204030203" pitchFamily="34" charset="0"/>
                         </a:rPr>
-                        <a:t>The main aim of this research is to investigate the potential change in influence a person may have when an emoji is placed onto an image. To perform such a task, a survey was made to check how such a change in opinion occurs, and if there are any correlations to note. Furthermore, an interview was also conducted with a professional in the media industry to gain any further insights about the use of emojis in news articles. Once the hypothesis was proven to be true, a dataset of inset emojis was created on which an object detection model was trained to be able to locate inset emojis within images.</a:t>
+                        <a:t>The main aim of this research was to investigate the potential change in opinion a person may have when an emoji is placed onto an image compared to the image without it. To perform such a task, a survey was made to check how such a change in opinion occurs, and if there are any correlations to note. Furthermore, an interview was also conducted with a professional in the media industry to gain any further insights about the use of emojis in news articles. Once the hypothesis was proven to be true, a dataset of inset emojis was created on which object detection models were trained to be able to locate inset emojis within images.</a:t>
                       </a:r>
                     </a:p>
                     <a:p>
@@ -8098,7 +8098,7 @@
         </p:nvSpPr>
         <p:spPr>
           <a:xfrm>
-            <a:off x="9557923" y="7428794"/>
+            <a:off x="9557922" y="7336163"/>
             <a:ext cx="3310767" cy="517722"/>
           </a:xfrm>
           <a:prstGeom prst="rect">
@@ -8287,41 +8287,6 @@
           </a:prstGeom>
         </p:spPr>
       </p:pic>
-      <p:pic>
-        <p:nvPicPr>
-          <p:cNvPr id="8" name="Picture 7" descr="A van parked in front of a building&#10;&#10;Description automatically generated">
-            <a:extLst>
-              <a:ext uri="{FF2B5EF4-FFF2-40B4-BE49-F238E27FC236}">
-                <a16:creationId xmlns:a16="http://schemas.microsoft.com/office/drawing/2014/main" id="{264605E2-FBA8-A37D-8436-4F4233169B9F}"/>
-              </a:ext>
-            </a:extLst>
-          </p:cNvPr>
-          <p:cNvPicPr>
-            <a:picLocks noChangeAspect="1"/>
-          </p:cNvPicPr>
-          <p:nvPr/>
-        </p:nvPicPr>
-        <p:blipFill>
-          <a:blip r:embed="rId10"/>
-          <a:stretch>
-            <a:fillRect/>
-          </a:stretch>
-        </p:blipFill>
-        <p:spPr>
-          <a:xfrm>
-            <a:off x="9233317" y="8114048"/>
-            <a:ext cx="3912182" cy="2658764"/>
-          </a:xfrm>
-          <a:prstGeom prst="rect">
-            <a:avLst/>
-          </a:prstGeom>
-          <a:ln w="28575">
-            <a:solidFill>
-              <a:schemeClr val="tx1"/>
-            </a:solidFill>
-          </a:ln>
-        </p:spPr>
-      </p:pic>
       <p:sp>
         <p:nvSpPr>
           <p:cNvPr id="9" name="Rectangle 8">
@@ -8336,7 +8301,7 @@
         </p:nvSpPr>
         <p:spPr>
           <a:xfrm>
-            <a:off x="9534025" y="10837659"/>
+            <a:off x="9557923" y="10801813"/>
             <a:ext cx="3310767" cy="517722"/>
           </a:xfrm>
           <a:prstGeom prst="rect">
@@ -8371,16 +8336,6 @@
           <a:p>
             <a:pPr algn="ctr"/>
             <a:r>
-              <a:rPr lang="en-US" sz="1600" b="1" dirty="0" err="1">
-                <a:solidFill>
-                  <a:schemeClr val="tx1"/>
-                </a:solidFill>
-                <a:latin typeface="Lato" panose="020F0502020204030203" pitchFamily="34" charset="0"/>
-                <a:cs typeface="Lato" panose="020F0502020204030203" pitchFamily="34" charset="0"/>
-              </a:rPr>
-              <a:t>RetinaNet</a:t>
-            </a:r>
-            <a:r>
               <a:rPr lang="en-US" sz="1600" b="1" dirty="0">
                 <a:solidFill>
                   <a:schemeClr val="tx1"/>
@@ -8388,11 +8343,46 @@
                 <a:latin typeface="Lato" panose="020F0502020204030203" pitchFamily="34" charset="0"/>
                 <a:cs typeface="Lato" panose="020F0502020204030203" pitchFamily="34" charset="0"/>
               </a:rPr>
-              <a:t> Emoji Detected</a:t>
+              <a:t>YOLOv8 Emojis Detected</a:t>
             </a:r>
           </a:p>
         </p:txBody>
       </p:sp>
+      <p:pic>
+        <p:nvPicPr>
+          <p:cNvPr id="6" name="Picture 5" descr="A person in a red dress&#10;&#10;Description automatically generated">
+            <a:extLst>
+              <a:ext uri="{FF2B5EF4-FFF2-40B4-BE49-F238E27FC236}">
+                <a16:creationId xmlns:a16="http://schemas.microsoft.com/office/drawing/2014/main" id="{786282EA-00AC-CD0D-C159-AFC381743A6A}"/>
+              </a:ext>
+            </a:extLst>
+          </p:cNvPr>
+          <p:cNvPicPr>
+            <a:picLocks noChangeAspect="1"/>
+          </p:cNvPicPr>
+          <p:nvPr/>
+        </p:nvPicPr>
+        <p:blipFill>
+          <a:blip r:embed="rId10"/>
+          <a:stretch>
+            <a:fillRect/>
+          </a:stretch>
+        </p:blipFill>
+        <p:spPr>
+          <a:xfrm>
+            <a:off x="9274995" y="8215907"/>
+            <a:ext cx="3878212" cy="2575376"/>
+          </a:xfrm>
+          <a:prstGeom prst="rect">
+            <a:avLst/>
+          </a:prstGeom>
+          <a:ln w="28575">
+            <a:solidFill>
+              <a:schemeClr val="tx1"/>
+            </a:solidFill>
+          </a:ln>
+        </p:spPr>
+      </p:pic>
     </p:spTree>
     <p:extLst>
       <p:ext uri="{BB962C8B-B14F-4D97-AF65-F5344CB8AC3E}">
